--- a/stu2201321033/Project Touch Grass - Основни технологии за тестване.pptx
+++ b/stu2201321033/Project Touch Grass - Основни технологии за тестване.pptx
@@ -9241,10 +9241,20 @@
               <a:buNone/>
             </a:pPr>
             <a:r>
-              <a:rPr lang="bg" sz="3600"/>
+              <a:rPr lang="bg" sz="3600">
+                <a:latin typeface="Roboto"/>
+                <a:ea typeface="Roboto"/>
+                <a:cs typeface="Roboto"/>
+                <a:sym typeface="Roboto"/>
+              </a:rPr>
               <a:t>Project Touch Grass -</a:t>
             </a:r>
-            <a:endParaRPr sz="3600"/>
+            <a:endParaRPr sz="3600">
+              <a:latin typeface="Roboto"/>
+              <a:ea typeface="Roboto"/>
+              <a:cs typeface="Roboto"/>
+              <a:sym typeface="Roboto"/>
+            </a:endParaRPr>
           </a:p>
           <a:p>
             <a:pPr indent="0" lvl="0" marL="0" rtl="0" algn="l">
@@ -9257,10 +9267,20 @@
               <a:buNone/>
             </a:pPr>
             <a:r>
-              <a:rPr lang="bg" sz="2000"/>
+              <a:rPr lang="bg" sz="2000">
+                <a:latin typeface="Roboto"/>
+                <a:ea typeface="Roboto"/>
+                <a:cs typeface="Roboto"/>
+                <a:sym typeface="Roboto"/>
+              </a:rPr>
               <a:t>Основни технологии за тестване</a:t>
             </a:r>
-            <a:endParaRPr sz="2000"/>
+            <a:endParaRPr sz="2000">
+              <a:latin typeface="Roboto"/>
+              <a:ea typeface="Roboto"/>
+              <a:cs typeface="Roboto"/>
+              <a:sym typeface="Roboto"/>
+            </a:endParaRPr>
           </a:p>
         </p:txBody>
       </p:sp>
@@ -9297,10 +9317,20 @@
               <a:buNone/>
             </a:pPr>
             <a:r>
-              <a:rPr lang="bg"/>
+              <a:rPr lang="bg">
+                <a:latin typeface="Roboto"/>
+                <a:ea typeface="Roboto"/>
+                <a:cs typeface="Roboto"/>
+                <a:sym typeface="Roboto"/>
+              </a:rPr>
               <a:t>изготвил: Стоил Плачков (2201321033)</a:t>
             </a:r>
-            <a:endParaRPr/>
+            <a:endParaRPr>
+              <a:latin typeface="Roboto"/>
+              <a:ea typeface="Roboto"/>
+              <a:cs typeface="Roboto"/>
+              <a:sym typeface="Roboto"/>
+            </a:endParaRPr>
           </a:p>
         </p:txBody>
       </p:sp>
@@ -9362,10 +9392,20 @@
               <a:buNone/>
             </a:pPr>
             <a:r>
-              <a:rPr lang="bg"/>
+              <a:rPr lang="bg">
+                <a:latin typeface="Roboto"/>
+                <a:ea typeface="Roboto"/>
+                <a:cs typeface="Roboto"/>
+                <a:sym typeface="Roboto"/>
+              </a:rPr>
               <a:t>Екип</a:t>
             </a:r>
-            <a:endParaRPr/>
+            <a:endParaRPr>
+              <a:latin typeface="Roboto"/>
+              <a:ea typeface="Roboto"/>
+              <a:cs typeface="Roboto"/>
+              <a:sym typeface="Roboto"/>
+            </a:endParaRPr>
           </a:p>
         </p:txBody>
       </p:sp>
@@ -9403,13 +9443,24 @@
                 <a:spcPts val="0"/>
               </a:spcAft>
               <a:buSzPts val="1600"/>
+              <a:buFont typeface="Roboto"/>
               <a:buChar char="●"/>
             </a:pPr>
             <a:r>
-              <a:rPr lang="bg" sz="1600"/>
+              <a:rPr lang="bg" sz="1600">
+                <a:latin typeface="Roboto"/>
+                <a:ea typeface="Roboto"/>
+                <a:cs typeface="Roboto"/>
+                <a:sym typeface="Roboto"/>
+              </a:rPr>
               <a:t>Developer 1 - Никола Гочев</a:t>
             </a:r>
-            <a:endParaRPr sz="1600"/>
+            <a:endParaRPr sz="1600">
+              <a:latin typeface="Roboto"/>
+              <a:ea typeface="Roboto"/>
+              <a:cs typeface="Roboto"/>
+              <a:sym typeface="Roboto"/>
+            </a:endParaRPr>
           </a:p>
           <a:p>
             <a:pPr indent="-330200" lvl="0" marL="457200" rtl="0" algn="l">
@@ -9423,13 +9474,24 @@
                 <a:spcPts val="0"/>
               </a:spcAft>
               <a:buSzPts val="1600"/>
+              <a:buFont typeface="Roboto"/>
               <a:buChar char="●"/>
             </a:pPr>
             <a:r>
-              <a:rPr lang="bg" sz="1600"/>
+              <a:rPr lang="bg" sz="1600">
+                <a:latin typeface="Roboto"/>
+                <a:ea typeface="Roboto"/>
+                <a:cs typeface="Roboto"/>
+                <a:sym typeface="Roboto"/>
+              </a:rPr>
               <a:t>Developer 2 - Васил Чушев</a:t>
             </a:r>
-            <a:endParaRPr sz="1600"/>
+            <a:endParaRPr sz="1600">
+              <a:latin typeface="Roboto"/>
+              <a:ea typeface="Roboto"/>
+              <a:cs typeface="Roboto"/>
+              <a:sym typeface="Roboto"/>
+            </a:endParaRPr>
           </a:p>
           <a:p>
             <a:pPr indent="-330200" lvl="0" marL="457200" rtl="0" algn="l">
@@ -9443,13 +9505,24 @@
                 <a:spcPts val="0"/>
               </a:spcAft>
               <a:buSzPts val="1600"/>
+              <a:buFont typeface="Roboto"/>
               <a:buChar char="●"/>
             </a:pPr>
             <a:r>
-              <a:rPr lang="bg" sz="1600"/>
+              <a:rPr lang="bg" sz="1600">
+                <a:latin typeface="Roboto"/>
+                <a:ea typeface="Roboto"/>
+                <a:cs typeface="Roboto"/>
+                <a:sym typeface="Roboto"/>
+              </a:rPr>
               <a:t>QA - Стоил Плачков </a:t>
             </a:r>
-            <a:endParaRPr sz="1600"/>
+            <a:endParaRPr sz="1600">
+              <a:latin typeface="Roboto"/>
+              <a:ea typeface="Roboto"/>
+              <a:cs typeface="Roboto"/>
+              <a:sym typeface="Roboto"/>
+            </a:endParaRPr>
           </a:p>
           <a:p>
             <a:pPr indent="-330200" lvl="0" marL="457200" rtl="0" algn="l">
@@ -9463,13 +9536,24 @@
                 <a:spcPts val="0"/>
               </a:spcAft>
               <a:buSzPts val="1600"/>
+              <a:buFont typeface="Roboto"/>
               <a:buChar char="●"/>
             </a:pPr>
             <a:r>
-              <a:rPr lang="bg" sz="1600"/>
+              <a:rPr lang="bg" sz="1600">
+                <a:latin typeface="Roboto"/>
+                <a:ea typeface="Roboto"/>
+                <a:cs typeface="Roboto"/>
+                <a:sym typeface="Roboto"/>
+              </a:rPr>
               <a:t>Project Manager - Момчил Симеонов</a:t>
             </a:r>
-            <a:endParaRPr sz="1600"/>
+            <a:endParaRPr sz="1600">
+              <a:latin typeface="Roboto"/>
+              <a:ea typeface="Roboto"/>
+              <a:cs typeface="Roboto"/>
+              <a:sym typeface="Roboto"/>
+            </a:endParaRPr>
           </a:p>
           <a:p>
             <a:pPr indent="-330200" lvl="0" marL="457200" rtl="0" algn="l">
@@ -9483,13 +9567,24 @@
                 <a:spcPts val="0"/>
               </a:spcAft>
               <a:buSzPts val="1600"/>
+              <a:buFont typeface="Roboto"/>
               <a:buChar char="●"/>
             </a:pPr>
             <a:r>
-              <a:rPr lang="bg" sz="1600"/>
+              <a:rPr lang="bg" sz="1600">
+                <a:latin typeface="Roboto"/>
+                <a:ea typeface="Roboto"/>
+                <a:cs typeface="Roboto"/>
+                <a:sym typeface="Roboto"/>
+              </a:rPr>
               <a:t>Project Owner - Васил Николов</a:t>
             </a:r>
-            <a:endParaRPr sz="1600"/>
+            <a:endParaRPr sz="1600">
+              <a:latin typeface="Roboto"/>
+              <a:ea typeface="Roboto"/>
+              <a:cs typeface="Roboto"/>
+              <a:sym typeface="Roboto"/>
+            </a:endParaRPr>
           </a:p>
         </p:txBody>
       </p:sp>
@@ -9926,7 +10021,12 @@
             <a:r>
               <a:t/>
             </a:r>
-            <a:endParaRPr/>
+            <a:endParaRPr>
+              <a:latin typeface="Roboto"/>
+              <a:ea typeface="Roboto"/>
+              <a:cs typeface="Roboto"/>
+              <a:sym typeface="Roboto"/>
+            </a:endParaRPr>
           </a:p>
         </p:txBody>
       </p:sp>
